--- a/closure/closure 발표.pptx
+++ b/closure/closure 발표.pptx
@@ -3269,8 +3269,8 @@
         </p:blipFill>
         <p:spPr>
           <a:xfrm>
-            <a:off x="2842161" y="8297259"/>
-            <a:ext cx="9730761" cy="813156"/>
+            <a:off x="2842161" y="8297258"/>
+            <a:ext cx="9730761" cy="813157"/>
           </a:xfrm>
           <a:prstGeom prst="rect">
             <a:avLst/>
@@ -3298,8 +3298,8 @@
         </p:blipFill>
         <p:spPr>
           <a:xfrm>
-            <a:off x="6421929" y="3021983"/>
-            <a:ext cx="6451697" cy="2321038"/>
+            <a:off x="6421928" y="3021983"/>
+            <a:ext cx="6451698" cy="2321038"/>
           </a:xfrm>
           <a:prstGeom prst="rect">
             <a:avLst/>
@@ -3415,13 +3415,7 @@
           <a:p>
             <a:pPr/>
             <a:r>
-              <a:t>클로저(함수를 리턴)하는 식으로 구성</a:t>
-            </a:r>
-          </a:p>
-          <a:p>
-            <a:pPr/>
-            <a:r>
-              <a:t>할 수 도  있습니다</a:t>
+              <a:t>클로저(함수를 리턴)하는 식으로 구성 할 수도 있습니다</a:t>
             </a:r>
           </a:p>
         </p:txBody>
@@ -3444,8 +3438,8 @@
         </p:blipFill>
         <p:spPr>
           <a:xfrm>
-            <a:off x="5341949" y="5045285"/>
-            <a:ext cx="6881461" cy="3148713"/>
+            <a:off x="3877833" y="4828272"/>
+            <a:ext cx="8420533" cy="3852937"/>
           </a:xfrm>
           <a:prstGeom prst="rect">
             <a:avLst/>
@@ -4627,8 +4621,8 @@
       </p:par>
     </p:tnLst>
     <p:bldLst>
+      <p:bldP build="whole" bldLvl="1" animBg="1" rev="0" advAuto="0" spid="195" grpId="2"/>
       <p:bldP build="whole" bldLvl="1" animBg="1" rev="0" advAuto="0" spid="192" grpId="1"/>
-      <p:bldP build="whole" bldLvl="1" animBg="1" rev="0" advAuto="0" spid="195" grpId="2"/>
     </p:bldLst>
   </p:timing>
 </p:sld>
@@ -5333,11 +5327,11 @@
       </p:par>
     </p:tnLst>
     <p:bldLst>
+      <p:bldP build="whole" bldLvl="1" animBg="1" rev="0" advAuto="0" spid="203" grpId="1"/>
+      <p:bldP build="whole" bldLvl="1" animBg="1" rev="0" advAuto="0" spid="205" grpId="3"/>
+      <p:bldP build="whole" bldLvl="1" animBg="1" rev="0" advAuto="0" spid="207" grpId="5"/>
       <p:bldP build="whole" bldLvl="1" animBg="1" rev="0" advAuto="0" spid="204" grpId="2"/>
-      <p:bldP build="whole" bldLvl="1" animBg="1" rev="0" advAuto="0" spid="205" grpId="3"/>
       <p:bldP build="whole" bldLvl="1" animBg="1" rev="0" advAuto="0" spid="206" grpId="4"/>
-      <p:bldP build="whole" bldLvl="1" animBg="1" rev="0" advAuto="0" spid="207" grpId="5"/>
-      <p:bldP build="whole" bldLvl="1" animBg="1" rev="0" advAuto="0" spid="203" grpId="1"/>
     </p:bldLst>
   </p:timing>
 </p:sld>
@@ -6029,7 +6023,7 @@
         </p:nvSpPr>
         <p:spPr>
           <a:xfrm>
-            <a:off x="783406" y="8493483"/>
+            <a:off x="783406" y="8493482"/>
             <a:ext cx="5841302" cy="312167"/>
           </a:xfrm>
           <a:prstGeom prst="rect">
@@ -6132,6 +6126,10 @@
           </p:nvPr>
         </p:nvSpPr>
         <p:spPr>
+          <a:xfrm>
+            <a:off x="909444" y="2597150"/>
+            <a:ext cx="11099801" cy="6286500"/>
+          </a:xfrm>
           <a:prstGeom prst="rect">
             <a:avLst/>
           </a:prstGeom>
@@ -6191,8 +6189,8 @@
         </p:blipFill>
         <p:spPr>
           <a:xfrm>
-            <a:off x="1492249" y="5279912"/>
-            <a:ext cx="10020301" cy="2959101"/>
+            <a:off x="548710" y="5007639"/>
+            <a:ext cx="11686671" cy="3451198"/>
           </a:xfrm>
           <a:prstGeom prst="rect">
             <a:avLst/>
@@ -6210,8 +6208,8 @@
         </p:nvSpPr>
         <p:spPr>
           <a:xfrm>
-            <a:off x="945809" y="8566516"/>
-            <a:ext cx="6768657" cy="316929"/>
+            <a:off x="945810" y="8566516"/>
+            <a:ext cx="6768656" cy="316929"/>
           </a:xfrm>
           <a:prstGeom prst="rect">
             <a:avLst/>
@@ -7458,7 +7456,7 @@
         </p:nvSpPr>
         <p:spPr>
           <a:xfrm>
-            <a:off x="893221" y="8443512"/>
+            <a:off x="893221" y="8443513"/>
             <a:ext cx="5841302" cy="312167"/>
           </a:xfrm>
           <a:prstGeom prst="rect">
@@ -7547,8 +7545,8 @@
         </p:nvSpPr>
         <p:spPr>
           <a:xfrm>
-            <a:off x="10587627" y="5658648"/>
-            <a:ext cx="950464" cy="463497"/>
+            <a:off x="10587628" y="5658648"/>
+            <a:ext cx="950463" cy="463496"/>
           </a:xfrm>
           <a:prstGeom prst="rect">
             <a:avLst/>
